--- a/spring12/slidesS12/prob-independence.pptx
+++ b/spring12/slidesS12/prob-independence.pptx
@@ -44,7 +44,7 @@
     <p:sldId id="399" r:id="rId32"/>
   </p:sldIdLst>
   <p:sldSz cx="9144000" cy="6858000" type="screen4x3"/>
-  <p:notesSz cx="7315200" cy="9601200"/>
+  <p:notesSz cx="9601200" cy="7315200"/>
   <p:custDataLst>
     <p:tags r:id="rId36"/>
   </p:custDataLst>
@@ -214,7 +214,7 @@
         <p:spPr bwMode="auto">
           <a:xfrm>
             <a:off x="0" y="0"/>
-            <a:ext cx="3170238" cy="479425"/>
+            <a:ext cx="4160937" cy="365276"/>
           </a:xfrm>
           <a:prstGeom prst="rect">
             <a:avLst/>
@@ -261,8 +261,8 @@
         </p:nvSpPr>
         <p:spPr bwMode="auto">
           <a:xfrm>
-            <a:off x="4143375" y="0"/>
-            <a:ext cx="3170238" cy="479425"/>
+            <a:off x="5438180" y="0"/>
+            <a:ext cx="4160937" cy="365276"/>
           </a:xfrm>
           <a:prstGeom prst="rect">
             <a:avLst/>
@@ -309,8 +309,8 @@
         </p:nvSpPr>
         <p:spPr bwMode="auto">
           <a:xfrm>
-            <a:off x="0" y="9120188"/>
-            <a:ext cx="3170238" cy="479425"/>
+            <a:off x="0" y="6948715"/>
+            <a:ext cx="4160937" cy="365276"/>
           </a:xfrm>
           <a:prstGeom prst="rect">
             <a:avLst/>
@@ -357,8 +357,8 @@
         </p:nvSpPr>
         <p:spPr bwMode="auto">
           <a:xfrm>
-            <a:off x="4143375" y="9120188"/>
-            <a:ext cx="3170238" cy="479425"/>
+            <a:off x="5438180" y="6948715"/>
+            <a:ext cx="4160937" cy="365276"/>
           </a:xfrm>
           <a:prstGeom prst="rect">
             <a:avLst/>
@@ -449,7 +449,7 @@
         <p:spPr bwMode="auto">
           <a:xfrm>
             <a:off x="0" y="0"/>
-            <a:ext cx="3170238" cy="479425"/>
+            <a:ext cx="4160937" cy="365276"/>
           </a:xfrm>
           <a:prstGeom prst="rect">
             <a:avLst/>
@@ -496,8 +496,8 @@
         </p:nvSpPr>
         <p:spPr bwMode="auto">
           <a:xfrm>
-            <a:off x="4143375" y="0"/>
-            <a:ext cx="3170238" cy="479425"/>
+            <a:off x="5438180" y="0"/>
+            <a:ext cx="4160937" cy="365276"/>
           </a:xfrm>
           <a:prstGeom prst="rect">
             <a:avLst/>
@@ -544,8 +544,8 @@
         </p:nvSpPr>
         <p:spPr bwMode="auto">
           <a:xfrm>
-            <a:off x="1257300" y="720725"/>
-            <a:ext cx="4800600" cy="3600450"/>
+            <a:off x="2971800" y="549275"/>
+            <a:ext cx="3657600" cy="2743200"/>
           </a:xfrm>
           <a:prstGeom prst="rect">
             <a:avLst/>
@@ -573,8 +573,8 @@
         </p:nvSpPr>
         <p:spPr bwMode="auto">
           <a:xfrm>
-            <a:off x="731838" y="4560888"/>
-            <a:ext cx="5851525" cy="4319587"/>
+            <a:off x="960538" y="3474963"/>
+            <a:ext cx="7680127" cy="3291114"/>
           </a:xfrm>
           <a:prstGeom prst="rect">
             <a:avLst/>
@@ -644,8 +644,8 @@
         </p:nvSpPr>
         <p:spPr bwMode="auto">
           <a:xfrm>
-            <a:off x="0" y="9120188"/>
-            <a:ext cx="3170238" cy="479425"/>
+            <a:off x="0" y="6948715"/>
+            <a:ext cx="4160937" cy="365276"/>
           </a:xfrm>
           <a:prstGeom prst="rect">
             <a:avLst/>
@@ -692,8 +692,8 @@
         </p:nvSpPr>
         <p:spPr bwMode="auto">
           <a:xfrm>
-            <a:off x="4143375" y="9120188"/>
-            <a:ext cx="3170238" cy="479425"/>
+            <a:off x="5438180" y="6948715"/>
+            <a:ext cx="4160937" cy="365276"/>
           </a:xfrm>
           <a:prstGeom prst="rect">
             <a:avLst/>
@@ -3526,11 +3526,7 @@
             </a:r>
             <a:r>
               <a:rPr lang="en-US" dirty="0" smtClean="0"/>
-              <a:t> </a:t>
-            </a:r>
-            <a:r>
-              <a:rPr lang="en-US" dirty="0" smtClean="0"/>
-              <a:t>!2M.</a:t>
+              <a:t> !2M.</a:t>
             </a:r>
             <a:fld id="{B9A0B45D-6AFD-413C-B761-B121FB8BE940}" type="slidenum">
               <a:rPr lang="en-US" smtClean="0"/>
@@ -3697,11 +3693,7 @@
             </a:r>
             <a:r>
               <a:rPr lang="en-US" dirty="0" smtClean="0"/>
-              <a:t> </a:t>
-            </a:r>
-            <a:r>
-              <a:rPr lang="en-US" dirty="0" smtClean="0"/>
-              <a:t>!2M.</a:t>
+              <a:t> !2M.</a:t>
             </a:r>
             <a:fld id="{B9A0B45D-6AFD-413C-B761-B121FB8BE940}" type="slidenum">
               <a:rPr lang="en-US" smtClean="0"/>
@@ -3823,11 +3815,7 @@
             </a:r>
             <a:r>
               <a:rPr lang="en-US" dirty="0" smtClean="0"/>
-              <a:t> </a:t>
-            </a:r>
-            <a:r>
-              <a:rPr lang="en-US" dirty="0" smtClean="0"/>
-              <a:t>!2M.</a:t>
+              <a:t> !2M.</a:t>
             </a:r>
             <a:fld id="{B9A0B45D-6AFD-413C-B761-B121FB8BE940}" type="slidenum">
               <a:rPr lang="en-US" smtClean="0"/>
@@ -3915,11 +3903,7 @@
             </a:r>
             <a:r>
               <a:rPr lang="en-US" dirty="0" smtClean="0"/>
-              <a:t> </a:t>
-            </a:r>
-            <a:r>
-              <a:rPr lang="en-US" dirty="0" smtClean="0"/>
-              <a:t>!2M.</a:t>
+              <a:t> !2M.</a:t>
             </a:r>
             <a:fld id="{B9A0B45D-6AFD-413C-B761-B121FB8BE940}" type="slidenum">
               <a:rPr lang="en-US" smtClean="0"/>
@@ -4149,11 +4133,7 @@
             </a:r>
             <a:r>
               <a:rPr lang="en-US" dirty="0" smtClean="0"/>
-              <a:t> </a:t>
-            </a:r>
-            <a:r>
-              <a:rPr lang="en-US" dirty="0" smtClean="0"/>
-              <a:t>!2M.</a:t>
+              <a:t> !2M.</a:t>
             </a:r>
             <a:fld id="{B9A0B45D-6AFD-413C-B761-B121FB8BE940}" type="slidenum">
               <a:rPr lang="en-US" smtClean="0"/>
@@ -4364,11 +4344,7 @@
             </a:r>
             <a:r>
               <a:rPr lang="en-US" dirty="0" smtClean="0"/>
-              <a:t> </a:t>
-            </a:r>
-            <a:r>
-              <a:rPr lang="en-US" dirty="0" smtClean="0"/>
-              <a:t>12M.</a:t>
+              <a:t> 12M.</a:t>
             </a:r>
             <a:fld id="{B9A0B45D-6AFD-413C-B761-B121FB8BE940}" type="slidenum">
               <a:rPr lang="en-US" smtClean="0"/>
@@ -4464,22 +4440,7 @@
                 <a:uFillTx/>
                 <a:latin typeface="Comic Sans MS" pitchFamily="66" charset="0"/>
               </a:rPr>
-              <a:t>Albert R Meyer,            </a:t>
-            </a:r>
-            <a:r>
-              <a:rPr kumimoji="0" lang="en-US" sz="1200" b="0" i="0" u="none" strike="noStrike" kern="1200" cap="none" spc="0" normalizeH="0" baseline="0" noProof="0" dirty="0" smtClean="0">
-                <a:ln>
-                  <a:noFill/>
-                </a:ln>
-                <a:solidFill>
-                  <a:schemeClr val="tx1"/>
-                </a:solidFill>
-                <a:effectLst/>
-                <a:uLnTx/>
-                <a:uFillTx/>
-                <a:latin typeface="Comic Sans MS" pitchFamily="66" charset="0"/>
-              </a:rPr>
-              <a:t>April 30, 2012</a:t>
+              <a:t>Albert R Meyer,            April 30, 2012</a:t>
             </a:r>
             <a:endParaRPr kumimoji="0" lang="en-US" sz="1200" b="0" i="0" u="none" strike="noStrike" kern="1200" cap="none" spc="0" normalizeH="0" baseline="0" noProof="0" dirty="0">
               <a:ln>
@@ -4954,11 +4915,7 @@
             </a:r>
             <a:r>
               <a:rPr lang="en-US" dirty="0" smtClean="0"/>
-              <a:t> </a:t>
-            </a:r>
-            <a:r>
-              <a:rPr lang="en-US" dirty="0" smtClean="0"/>
-              <a:t>!2M.</a:t>
+              <a:t> !2M.</a:t>
             </a:r>
             <a:fld id="{B7DC7BFF-89A2-4DCB-9AA1-7530640AAA05}" type="slidenum">
               <a:rPr lang="en-US" smtClean="0"/>
@@ -5175,24 +5132,7 @@
                 <a:ea typeface="+mn-ea"/>
                 <a:cs typeface="+mn-cs"/>
               </a:rPr>
-              <a:t> </a:t>
-            </a:r>
-            <a:r>
-              <a:rPr kumimoji="0" lang="en-US" sz="1200" b="0" i="0" u="none" strike="noStrike" kern="1200" cap="none" spc="0" normalizeH="0" baseline="0" noProof="0" dirty="0" smtClean="0">
-                <a:ln>
-                  <a:noFill/>
-                </a:ln>
-                <a:solidFill>
-                  <a:schemeClr val="tx1"/>
-                </a:solidFill>
-                <a:effectLst/>
-                <a:uLnTx/>
-                <a:uFillTx/>
-                <a:latin typeface="+mn-lt"/>
-                <a:ea typeface="+mn-ea"/>
-                <a:cs typeface="+mn-cs"/>
-              </a:rPr>
-              <a:t>!2M.</a:t>
+              <a:t> !2M.</a:t>
             </a:r>
             <a:fld id="{B9A0B45D-6AFD-413C-B761-B121FB8BE940}" type="slidenum">
               <a:rPr kumimoji="0" lang="en-US" sz="1200" b="0" i="0" u="none" strike="noStrike" kern="1200" cap="none" spc="0" normalizeH="0" baseline="0" noProof="0" smtClean="0">
@@ -5565,11 +5505,7 @@
             </a:r>
             <a:r>
               <a:rPr lang="en-US" dirty="0" smtClean="0"/>
-              <a:t> </a:t>
-            </a:r>
-            <a:r>
-              <a:rPr lang="en-US" dirty="0" smtClean="0"/>
-              <a:t>!2M.</a:t>
+              <a:t> !2M.</a:t>
             </a:r>
             <a:fld id="{5F75E0E2-268E-411C-B4A3-35B053FA543D}" type="slidenum">
               <a:rPr lang="en-US" smtClean="0"/>
@@ -5626,7 +5562,7 @@
           <a:graphicData uri="http://schemas.openxmlformats.org/presentationml/2006/ole">
             <mc:AlternateContent xmlns:mc="http://schemas.openxmlformats.org/markup-compatibility/2006">
               <mc:Choice xmlns:v="urn:schemas-microsoft-com:vml" Requires="v">
-                <p:oleObj spid="_x0000_s1029" name="Equation" r:id="rId4" imgW="114120" imgH="215640" progId="Equation.3">
+                <p:oleObj spid="_x0000_s1032" name="Equation" r:id="rId4" imgW="114120" imgH="215640" progId="Equation.3">
                   <p:embed/>
                 </p:oleObj>
               </mc:Choice>
@@ -5696,7 +5632,7 @@
           <a:graphicData uri="http://schemas.openxmlformats.org/presentationml/2006/ole">
             <mc:AlternateContent xmlns:mc="http://schemas.openxmlformats.org/markup-compatibility/2006">
               <mc:Choice xmlns:v="urn:schemas-microsoft-com:vml" Requires="v">
-                <p:oleObj spid="_x0000_s1030" name="Equation" r:id="rId6" imgW="126720" imgH="215640" progId="Equation.DSMT4">
+                <p:oleObj spid="_x0000_s1033" name="Equation" r:id="rId6" imgW="126720" imgH="215640" progId="Equation.DSMT4">
                   <p:embed/>
                 </p:oleObj>
               </mc:Choice>
@@ -5872,24 +5808,7 @@
                 <a:ea typeface="+mn-ea"/>
                 <a:cs typeface="+mn-cs"/>
               </a:rPr>
-              <a:t> </a:t>
-            </a:r>
-            <a:r>
-              <a:rPr kumimoji="0" lang="en-US" sz="1200" b="0" i="0" u="none" strike="noStrike" kern="1200" cap="none" spc="0" normalizeH="0" baseline="0" noProof="0" dirty="0" smtClean="0">
-                <a:ln>
-                  <a:noFill/>
-                </a:ln>
-                <a:solidFill>
-                  <a:schemeClr val="tx1"/>
-                </a:solidFill>
-                <a:effectLst/>
-                <a:uLnTx/>
-                <a:uFillTx/>
-                <a:latin typeface="+mn-lt"/>
-                <a:ea typeface="+mn-ea"/>
-                <a:cs typeface="+mn-cs"/>
-              </a:rPr>
-              <a:t>!2M.</a:t>
+              <a:t> !2M.</a:t>
             </a:r>
             <a:fld id="{B9A0B45D-6AFD-413C-B761-B121FB8BE940}" type="slidenum">
               <a:rPr kumimoji="0" lang="en-US" sz="1200" b="0" i="0" u="none" strike="noStrike" kern="1200" cap="none" spc="0" normalizeH="0" baseline="0" noProof="0" smtClean="0">
@@ -5952,13 +5871,13 @@
   <p:clrMapOvr>
     <a:masterClrMapping/>
   </p:clrMapOvr>
-  <mc:AlternateContent xmlns:mc="http://schemas.openxmlformats.org/markup-compatibility/2006">
-    <mc:Choice xmlns:p14="http://schemas.microsoft.com/office/powerpoint/2010/main" Requires="p14">
+  <mc:AlternateContent xmlns:mc="http://schemas.openxmlformats.org/markup-compatibility/2006" xmlns:p14="http://schemas.microsoft.com/office/powerpoint/2010/main">
+    <mc:Choice Requires="p14">
       <p:transition spd="med" p14:dur="700">
         <p:fade/>
       </p:transition>
     </mc:Choice>
-    <mc:Fallback>
+    <mc:Fallback xmlns="">
       <p:transition xmlns:p14="http://schemas.microsoft.com/office/powerpoint/2010/main" spd="med">
         <p:fade/>
       </p:transition>
@@ -6706,11 +6625,7 @@
             </a:r>
             <a:r>
               <a:rPr lang="en-US" dirty="0" smtClean="0"/>
-              <a:t> </a:t>
-            </a:r>
-            <a:r>
-              <a:rPr lang="en-US" dirty="0" smtClean="0"/>
-              <a:t>!2M.</a:t>
+              <a:t> !2M.</a:t>
             </a:r>
             <a:fld id="{5F75E0E2-268E-411C-B4A3-35B053FA543D}" type="slidenum">
               <a:rPr lang="en-US" smtClean="0"/>
@@ -6767,7 +6682,7 @@
           <a:graphicData uri="http://schemas.openxmlformats.org/presentationml/2006/ole">
             <mc:AlternateContent xmlns:mc="http://schemas.openxmlformats.org/markup-compatibility/2006">
               <mc:Choice xmlns:v="urn:schemas-microsoft-com:vml" Requires="v">
-                <p:oleObj spid="_x0000_s112710" name="Equation" r:id="rId4" imgW="114120" imgH="215640" progId="Equation.3">
+                <p:oleObj spid="_x0000_s112714" name="Equation" r:id="rId4" imgW="114120" imgH="215640" progId="Equation.3">
                   <p:embed/>
                 </p:oleObj>
               </mc:Choice>
@@ -6837,7 +6752,7 @@
           <a:graphicData uri="http://schemas.openxmlformats.org/presentationml/2006/ole">
             <mc:AlternateContent xmlns:mc="http://schemas.openxmlformats.org/markup-compatibility/2006">
               <mc:Choice xmlns:v="urn:schemas-microsoft-com:vml" Requires="v">
-                <p:oleObj spid="_x0000_s112711" name="Equation" r:id="rId6" imgW="126720" imgH="215640" progId="Equation.DSMT4">
+                <p:oleObj spid="_x0000_s112715" name="Equation" r:id="rId6" imgW="126720" imgH="215640" progId="Equation.DSMT4">
                   <p:embed/>
                 </p:oleObj>
               </mc:Choice>
@@ -6941,7 +6856,7 @@
           <a:graphicData uri="http://schemas.openxmlformats.org/presentationml/2006/ole">
             <mc:AlternateContent xmlns:mc="http://schemas.openxmlformats.org/markup-compatibility/2006">
               <mc:Choice xmlns:v="urn:schemas-microsoft-com:vml" Requires="v">
-                <p:oleObj spid="_x0000_s112712" name="Equation" r:id="rId8" imgW="126720" imgH="215640" progId="Equation.DSMT4">
+                <p:oleObj spid="_x0000_s112716" name="Equation" r:id="rId8" imgW="126720" imgH="215640" progId="Equation.DSMT4">
                   <p:embed/>
                 </p:oleObj>
               </mc:Choice>
@@ -7083,24 +6998,7 @@
                 <a:ea typeface="+mn-ea"/>
                 <a:cs typeface="+mn-cs"/>
               </a:rPr>
-              <a:t> </a:t>
-            </a:r>
-            <a:r>
-              <a:rPr kumimoji="0" lang="en-US" sz="1200" b="0" i="0" u="none" strike="noStrike" kern="1200" cap="none" spc="0" normalizeH="0" baseline="0" noProof="0" dirty="0" smtClean="0">
-                <a:ln>
-                  <a:noFill/>
-                </a:ln>
-                <a:solidFill>
-                  <a:schemeClr val="tx1"/>
-                </a:solidFill>
-                <a:effectLst/>
-                <a:uLnTx/>
-                <a:uFillTx/>
-                <a:latin typeface="+mn-lt"/>
-                <a:ea typeface="+mn-ea"/>
-                <a:cs typeface="+mn-cs"/>
-              </a:rPr>
-              <a:t>!2M.</a:t>
+              <a:t> !2M.</a:t>
             </a:r>
             <a:fld id="{B9A0B45D-6AFD-413C-B761-B121FB8BE940}" type="slidenum">
               <a:rPr kumimoji="0" lang="en-US" sz="1200" b="0" i="0" u="none" strike="noStrike" kern="1200" cap="none" spc="0" normalizeH="0" baseline="0" noProof="0" smtClean="0">
@@ -7158,13 +7056,13 @@
   <p:clrMapOvr>
     <a:masterClrMapping/>
   </p:clrMapOvr>
-  <mc:AlternateContent xmlns:mc="http://schemas.openxmlformats.org/markup-compatibility/2006">
-    <mc:Choice xmlns:p14="http://schemas.microsoft.com/office/powerpoint/2010/main" Requires="p14">
+  <mc:AlternateContent xmlns:mc="http://schemas.openxmlformats.org/markup-compatibility/2006" xmlns:p14="http://schemas.microsoft.com/office/powerpoint/2010/main">
+    <mc:Choice Requires="p14">
       <p:transition spd="med" p14:dur="700">
         <p:fade/>
       </p:transition>
     </mc:Choice>
-    <mc:Fallback>
+    <mc:Fallback xmlns="">
       <p:transition xmlns:p14="http://schemas.microsoft.com/office/powerpoint/2010/main" spd="med">
         <p:fade/>
       </p:transition>
@@ -7528,11 +7426,7 @@
             </a:r>
             <a:r>
               <a:rPr lang="en-US" dirty="0" smtClean="0"/>
-              <a:t> </a:t>
-            </a:r>
-            <a:r>
-              <a:rPr lang="en-US" dirty="0" smtClean="0"/>
-              <a:t>!2M.</a:t>
+              <a:t> !2M.</a:t>
             </a:r>
             <a:fld id="{C35FC781-3E65-46D6-8429-1B5F28414148}" type="slidenum">
               <a:rPr lang="en-US" smtClean="0"/>
@@ -7770,24 +7664,7 @@
                 <a:ea typeface="+mn-ea"/>
                 <a:cs typeface="+mn-cs"/>
               </a:rPr>
-              <a:t> </a:t>
-            </a:r>
-            <a:r>
-              <a:rPr kumimoji="0" lang="en-US" sz="1200" b="0" i="0" u="none" strike="noStrike" kern="1200" cap="none" spc="0" normalizeH="0" baseline="0" noProof="0" dirty="0" smtClean="0">
-                <a:ln>
-                  <a:noFill/>
-                </a:ln>
-                <a:solidFill>
-                  <a:schemeClr val="tx1"/>
-                </a:solidFill>
-                <a:effectLst/>
-                <a:uLnTx/>
-                <a:uFillTx/>
-                <a:latin typeface="+mn-lt"/>
-                <a:ea typeface="+mn-ea"/>
-                <a:cs typeface="+mn-cs"/>
-              </a:rPr>
-              <a:t>!2M.</a:t>
+              <a:t> !2M.</a:t>
             </a:r>
             <a:fld id="{B9A0B45D-6AFD-413C-B761-B121FB8BE940}" type="slidenum">
               <a:rPr kumimoji="0" lang="en-US" sz="1200" b="0" i="0" u="none" strike="noStrike" kern="1200" cap="none" spc="0" normalizeH="0" baseline="0" noProof="0" smtClean="0">
@@ -8020,11 +7897,7 @@
             </a:r>
             <a:r>
               <a:rPr lang="en-US" dirty="0" smtClean="0"/>
-              <a:t> </a:t>
-            </a:r>
-            <a:r>
-              <a:rPr lang="en-US" dirty="0" smtClean="0"/>
-              <a:t>!2M.</a:t>
+              <a:t> !2M.</a:t>
             </a:r>
             <a:fld id="{EF49FDF3-DC55-4DA0-AF17-8F95A8D045AB}" type="slidenum">
               <a:rPr lang="en-US" smtClean="0"/>
@@ -8225,24 +8098,7 @@
                 <a:ea typeface="+mn-ea"/>
                 <a:cs typeface="+mn-cs"/>
               </a:rPr>
-              <a:t> </a:t>
-            </a:r>
-            <a:r>
-              <a:rPr kumimoji="0" lang="en-US" sz="1200" b="0" i="0" u="none" strike="noStrike" kern="1200" cap="none" spc="0" normalizeH="0" baseline="0" noProof="0" dirty="0" smtClean="0">
-                <a:ln>
-                  <a:noFill/>
-                </a:ln>
-                <a:solidFill>
-                  <a:schemeClr val="tx1"/>
-                </a:solidFill>
-                <a:effectLst/>
-                <a:uLnTx/>
-                <a:uFillTx/>
-                <a:latin typeface="+mn-lt"/>
-                <a:ea typeface="+mn-ea"/>
-                <a:cs typeface="+mn-cs"/>
-              </a:rPr>
-              <a:t>!2M.</a:t>
+              <a:t> !2M.</a:t>
             </a:r>
             <a:fld id="{B9A0B45D-6AFD-413C-B761-B121FB8BE940}" type="slidenum">
               <a:rPr kumimoji="0" lang="en-US" sz="1200" b="0" i="0" u="none" strike="noStrike" kern="1200" cap="none" spc="0" normalizeH="0" baseline="0" noProof="0" smtClean="0">
@@ -8300,13 +8156,13 @@
   <p:clrMapOvr>
     <a:masterClrMapping/>
   </p:clrMapOvr>
-  <mc:AlternateContent xmlns:mc="http://schemas.openxmlformats.org/markup-compatibility/2006">
-    <mc:Choice xmlns:p14="http://schemas.microsoft.com/office/powerpoint/2010/main" Requires="p14">
+  <mc:AlternateContent xmlns:mc="http://schemas.openxmlformats.org/markup-compatibility/2006" xmlns:p14="http://schemas.microsoft.com/office/powerpoint/2010/main">
+    <mc:Choice Requires="p14">
       <p:transition spd="med" p14:dur="700">
         <p:fade/>
       </p:transition>
     </mc:Choice>
-    <mc:Fallback>
+    <mc:Fallback xmlns="">
       <p:transition xmlns:p14="http://schemas.microsoft.com/office/powerpoint/2010/main" spd="med">
         <p:fade/>
       </p:transition>
@@ -8368,11 +8224,7 @@
             </a:r>
             <a:r>
               <a:rPr lang="en-US" dirty="0" smtClean="0"/>
-              <a:t> </a:t>
-            </a:r>
-            <a:r>
-              <a:rPr lang="en-US" dirty="0" smtClean="0"/>
-              <a:t>!2M.</a:t>
+              <a:t> !2M.</a:t>
             </a:r>
             <a:fld id="{EF49FDF3-DC55-4DA0-AF17-8F95A8D045AB}" type="slidenum">
               <a:rPr lang="en-US" smtClean="0"/>
@@ -8592,24 +8444,7 @@
                 <a:ea typeface="+mn-ea"/>
                 <a:cs typeface="+mn-cs"/>
               </a:rPr>
-              <a:t> </a:t>
-            </a:r>
-            <a:r>
-              <a:rPr kumimoji="0" lang="en-US" sz="1200" b="0" i="0" u="none" strike="noStrike" kern="1200" cap="none" spc="0" normalizeH="0" baseline="0" noProof="0" dirty="0" smtClean="0">
-                <a:ln>
-                  <a:noFill/>
-                </a:ln>
-                <a:solidFill>
-                  <a:schemeClr val="tx1"/>
-                </a:solidFill>
-                <a:effectLst/>
-                <a:uLnTx/>
-                <a:uFillTx/>
-                <a:latin typeface="+mn-lt"/>
-                <a:ea typeface="+mn-ea"/>
-                <a:cs typeface="+mn-cs"/>
-              </a:rPr>
-              <a:t>!2M.</a:t>
+              <a:t> !2M.</a:t>
             </a:r>
             <a:fld id="{B9A0B45D-6AFD-413C-B761-B121FB8BE940}" type="slidenum">
               <a:rPr kumimoji="0" lang="en-US" sz="1200" b="0" i="0" u="none" strike="noStrike" kern="1200" cap="none" spc="0" normalizeH="0" baseline="0" noProof="0" smtClean="0">
@@ -8667,13 +8502,13 @@
   <p:clrMapOvr>
     <a:masterClrMapping/>
   </p:clrMapOvr>
-  <mc:AlternateContent xmlns:mc="http://schemas.openxmlformats.org/markup-compatibility/2006">
-    <mc:Choice xmlns:p14="http://schemas.microsoft.com/office/powerpoint/2010/main" Requires="p14">
+  <mc:AlternateContent xmlns:mc="http://schemas.openxmlformats.org/markup-compatibility/2006" xmlns:p14="http://schemas.microsoft.com/office/powerpoint/2010/main">
+    <mc:Choice Requires="p14">
       <p:transition spd="med" p14:dur="700">
         <p:fade/>
       </p:transition>
     </mc:Choice>
-    <mc:Fallback>
+    <mc:Fallback xmlns="">
       <p:transition xmlns:p14="http://schemas.microsoft.com/office/powerpoint/2010/main" spd="med">
         <p:fade/>
       </p:transition>
@@ -8807,11 +8642,7 @@
             </a:r>
             <a:r>
               <a:rPr lang="en-US" dirty="0" smtClean="0"/>
-              <a:t> </a:t>
-            </a:r>
-            <a:r>
-              <a:rPr lang="en-US" dirty="0" smtClean="0"/>
-              <a:t>!2M.</a:t>
+              <a:t> !2M.</a:t>
             </a:r>
             <a:fld id="{F85DF8E6-2D4E-424C-8A64-596317D67FC0}" type="slidenum">
               <a:rPr lang="en-US" smtClean="0"/>
@@ -8873,15 +8704,7 @@
             </a:pPr>
             <a:r>
               <a:rPr lang="en-US" sz="6000" dirty="0" smtClean="0"/>
-              <a:t>The </a:t>
-            </a:r>
-            <a:r>
-              <a:rPr lang="en-US" sz="6000" dirty="0" smtClean="0"/>
-              <a:t>events </a:t>
-            </a:r>
-            <a:r>
-              <a:rPr lang="en-US" sz="6000" dirty="0" smtClean="0"/>
-              <a:t>are</a:t>
+              <a:t>The events are</a:t>
             </a:r>
           </a:p>
           <a:p>
@@ -8899,15 +8722,7 @@
                   <a:srgbClr val="CC0099"/>
                 </a:solidFill>
               </a:rPr>
-              <a:t>independent</a:t>
-            </a:r>
-            <a:r>
-              <a:rPr lang="en-US" sz="6000" dirty="0" smtClean="0">
-                <a:solidFill>
-                  <a:srgbClr val="CC0099"/>
-                </a:solidFill>
-              </a:rPr>
-              <a:t>:</a:t>
+              <a:t>independent:</a:t>
             </a:r>
           </a:p>
           <a:p>
@@ -8925,15 +8740,7 @@
             </a:r>
             <a:r>
               <a:rPr lang="en-US" sz="5400" dirty="0" smtClean="0"/>
-              <a:t> on birth </a:t>
-            </a:r>
-            <a:r>
-              <a:rPr lang="en-US" sz="5400" dirty="0" smtClean="0"/>
-              <a:t>frequency</a:t>
-            </a:r>
-            <a:r>
-              <a:rPr lang="en-US" sz="5400" dirty="0" smtClean="0"/>
-              <a:t>.</a:t>
+              <a:t> on birth frequency.</a:t>
             </a:r>
           </a:p>
         </p:txBody>
@@ -9026,24 +8833,7 @@
                 <a:ea typeface="+mn-ea"/>
                 <a:cs typeface="+mn-cs"/>
               </a:rPr>
-              <a:t> </a:t>
-            </a:r>
-            <a:r>
-              <a:rPr kumimoji="0" lang="en-US" sz="1200" b="0" i="0" u="none" strike="noStrike" kern="1200" cap="none" spc="0" normalizeH="0" baseline="0" noProof="0" dirty="0" smtClean="0">
-                <a:ln>
-                  <a:noFill/>
-                </a:ln>
-                <a:solidFill>
-                  <a:schemeClr val="tx1"/>
-                </a:solidFill>
-                <a:effectLst/>
-                <a:uLnTx/>
-                <a:uFillTx/>
-                <a:latin typeface="+mn-lt"/>
-                <a:ea typeface="+mn-ea"/>
-                <a:cs typeface="+mn-cs"/>
-              </a:rPr>
-              <a:t>!2M.</a:t>
+              <a:t> !2M.</a:t>
             </a:r>
             <a:fld id="{B9A0B45D-6AFD-413C-B761-B121FB8BE940}" type="slidenum">
               <a:rPr kumimoji="0" lang="en-US" sz="1200" b="0" i="0" u="none" strike="noStrike" kern="1200" cap="none" spc="0" normalizeH="0" baseline="0" noProof="0" smtClean="0">
@@ -9101,13 +8891,13 @@
   <p:clrMapOvr>
     <a:masterClrMapping/>
   </p:clrMapOvr>
-  <mc:AlternateContent xmlns:mc="http://schemas.openxmlformats.org/markup-compatibility/2006">
-    <mc:Choice xmlns:p14="http://schemas.microsoft.com/office/powerpoint/2010/main" Requires="p14">
+  <mc:AlternateContent xmlns:mc="http://schemas.openxmlformats.org/markup-compatibility/2006" xmlns:p14="http://schemas.microsoft.com/office/powerpoint/2010/main">
+    <mc:Choice Requires="p14">
       <p:transition spd="med" p14:dur="700">
         <p:fade/>
       </p:transition>
     </mc:Choice>
-    <mc:Fallback>
+    <mc:Fallback xmlns="">
       <p:transition xmlns:p14="http://schemas.microsoft.com/office/powerpoint/2010/main" spd="med">
         <p:fade/>
       </p:transition>
@@ -9169,11 +8959,7 @@
             </a:r>
             <a:r>
               <a:rPr lang="en-US" dirty="0" smtClean="0"/>
-              <a:t> </a:t>
-            </a:r>
-            <a:r>
-              <a:rPr lang="en-US" dirty="0" smtClean="0"/>
-              <a:t>!2M.</a:t>
+              <a:t> !2M.</a:t>
             </a:r>
             <a:fld id="{56D15FD8-A799-4B10-A950-01D0435A94EB}" type="slidenum">
               <a:rPr lang="en-US" smtClean="0"/>
@@ -9434,24 +9220,7 @@
                 <a:ea typeface="+mn-ea"/>
                 <a:cs typeface="+mn-cs"/>
               </a:rPr>
-              <a:t> </a:t>
-            </a:r>
-            <a:r>
-              <a:rPr kumimoji="0" lang="en-US" sz="1200" b="0" i="0" u="none" strike="noStrike" kern="1200" cap="none" spc="0" normalizeH="0" baseline="0" noProof="0" dirty="0" smtClean="0">
-                <a:ln>
-                  <a:noFill/>
-                </a:ln>
-                <a:solidFill>
-                  <a:schemeClr val="tx1"/>
-                </a:solidFill>
-                <a:effectLst/>
-                <a:uLnTx/>
-                <a:uFillTx/>
-                <a:latin typeface="+mn-lt"/>
-                <a:ea typeface="+mn-ea"/>
-                <a:cs typeface="+mn-cs"/>
-              </a:rPr>
-              <a:t>!2M.</a:t>
+              <a:t> !2M.</a:t>
             </a:r>
             <a:fld id="{B9A0B45D-6AFD-413C-B761-B121FB8BE940}" type="slidenum">
               <a:rPr kumimoji="0" lang="en-US" sz="1200" b="0" i="0" u="none" strike="noStrike" kern="1200" cap="none" spc="0" normalizeH="0" baseline="0" noProof="0" smtClean="0">
@@ -9772,11 +9541,7 @@
             </a:r>
             <a:r>
               <a:rPr lang="en-US" dirty="0" smtClean="0"/>
-              <a:t> </a:t>
-            </a:r>
-            <a:r>
-              <a:rPr lang="en-US" dirty="0" smtClean="0"/>
-              <a:t>!2M.</a:t>
+              <a:t> !2M.</a:t>
             </a:r>
             <a:fld id="{326F81EE-CDCA-4EE9-BD35-0F63BF2B1A84}" type="slidenum">
               <a:rPr lang="en-US" smtClean="0"/>
@@ -9992,24 +9757,7 @@
                 <a:ea typeface="+mn-ea"/>
                 <a:cs typeface="+mn-cs"/>
               </a:rPr>
-              <a:t> </a:t>
-            </a:r>
-            <a:r>
-              <a:rPr kumimoji="0" lang="en-US" sz="1200" b="0" i="0" u="none" strike="noStrike" kern="1200" cap="none" spc="0" normalizeH="0" baseline="0" noProof="0" dirty="0" smtClean="0">
-                <a:ln>
-                  <a:noFill/>
-                </a:ln>
-                <a:solidFill>
-                  <a:schemeClr val="tx1"/>
-                </a:solidFill>
-                <a:effectLst/>
-                <a:uLnTx/>
-                <a:uFillTx/>
-                <a:latin typeface="+mn-lt"/>
-                <a:ea typeface="+mn-ea"/>
-                <a:cs typeface="+mn-cs"/>
-              </a:rPr>
-              <a:t>!2M.</a:t>
+              <a:t> !2M.</a:t>
             </a:r>
             <a:fld id="{B9A0B45D-6AFD-413C-B761-B121FB8BE940}" type="slidenum">
               <a:rPr kumimoji="0" lang="en-US" sz="1200" b="0" i="0" u="none" strike="noStrike" kern="1200" cap="none" spc="0" normalizeH="0" baseline="0" noProof="0" smtClean="0">
@@ -10067,13 +9815,13 @@
   <p:clrMapOvr>
     <a:masterClrMapping/>
   </p:clrMapOvr>
-  <mc:AlternateContent xmlns:mc="http://schemas.openxmlformats.org/markup-compatibility/2006">
-    <mc:Choice xmlns:p14="http://schemas.microsoft.com/office/powerpoint/2010/main" Requires="p14">
+  <mc:AlternateContent xmlns:mc="http://schemas.openxmlformats.org/markup-compatibility/2006" xmlns:p14="http://schemas.microsoft.com/office/powerpoint/2010/main">
+    <mc:Choice Requires="p14">
       <p:transition spd="med" p14:dur="700">
         <p:fade/>
       </p:transition>
     </mc:Choice>
-    <mc:Fallback>
+    <mc:Fallback xmlns="">
       <p:transition xmlns:p14="http://schemas.microsoft.com/office/powerpoint/2010/main" spd="med">
         <p:fade/>
       </p:transition>
@@ -10269,11 +10017,7 @@
             </a:r>
             <a:r>
               <a:rPr lang="en-US" dirty="0" smtClean="0"/>
-              <a:t> </a:t>
-            </a:r>
-            <a:r>
-              <a:rPr lang="en-US" dirty="0" smtClean="0"/>
-              <a:t>!2M.</a:t>
+              <a:t> !2M.</a:t>
             </a:r>
             <a:fld id="{0BB89C5A-C403-4815-A3F6-EDBD9149D63F}" type="slidenum">
               <a:rPr lang="en-US" smtClean="0"/>
@@ -10483,24 +10227,7 @@
                 <a:ea typeface="+mn-ea"/>
                 <a:cs typeface="+mn-cs"/>
               </a:rPr>
-              <a:t> </a:t>
-            </a:r>
-            <a:r>
-              <a:rPr kumimoji="0" lang="en-US" sz="1200" b="0" i="0" u="none" strike="noStrike" kern="1200" cap="none" spc="0" normalizeH="0" baseline="0" noProof="0" dirty="0" smtClean="0">
-                <a:ln>
-                  <a:noFill/>
-                </a:ln>
-                <a:solidFill>
-                  <a:schemeClr val="tx1"/>
-                </a:solidFill>
-                <a:effectLst/>
-                <a:uLnTx/>
-                <a:uFillTx/>
-                <a:latin typeface="+mn-lt"/>
-                <a:ea typeface="+mn-ea"/>
-                <a:cs typeface="+mn-cs"/>
-              </a:rPr>
-              <a:t>!2M.</a:t>
+              <a:t> !2M.</a:t>
             </a:r>
             <a:fld id="{B9A0B45D-6AFD-413C-B761-B121FB8BE940}" type="slidenum">
               <a:rPr kumimoji="0" lang="en-US" sz="1200" b="0" i="0" u="none" strike="noStrike" kern="1200" cap="none" spc="0" normalizeH="0" baseline="0" noProof="0" smtClean="0">
@@ -10558,13 +10285,13 @@
   <p:clrMapOvr>
     <a:masterClrMapping/>
   </p:clrMapOvr>
-  <mc:AlternateContent xmlns:mc="http://schemas.openxmlformats.org/markup-compatibility/2006">
-    <mc:Choice xmlns:p14="http://schemas.microsoft.com/office/powerpoint/2010/main" Requires="p14">
+  <mc:AlternateContent xmlns:mc="http://schemas.openxmlformats.org/markup-compatibility/2006" xmlns:p14="http://schemas.microsoft.com/office/powerpoint/2010/main">
+    <mc:Choice Requires="p14">
       <p:transition spd="med" p14:dur="700">
         <p:fade/>
       </p:transition>
     </mc:Choice>
-    <mc:Fallback>
+    <mc:Fallback xmlns="">
       <p:transition xmlns:p14="http://schemas.microsoft.com/office/powerpoint/2010/main" spd="med">
         <p:fade/>
       </p:transition>
@@ -10626,11 +10353,7 @@
             </a:r>
             <a:r>
               <a:rPr lang="en-US" dirty="0" smtClean="0"/>
-              <a:t> </a:t>
-            </a:r>
-            <a:r>
-              <a:rPr lang="en-US" dirty="0" smtClean="0"/>
-              <a:t>!2M.</a:t>
+              <a:t> !2M.</a:t>
             </a:r>
             <a:fld id="{677826E3-95E6-4F27-8871-3C2BB5E9DC3B}" type="slidenum">
               <a:rPr lang="en-US" smtClean="0"/>
@@ -10843,24 +10566,7 @@
                 <a:ea typeface="+mn-ea"/>
                 <a:cs typeface="+mn-cs"/>
               </a:rPr>
-              <a:t> </a:t>
-            </a:r>
-            <a:r>
-              <a:rPr kumimoji="0" lang="en-US" sz="1200" b="0" i="0" u="none" strike="noStrike" kern="1200" cap="none" spc="0" normalizeH="0" baseline="0" noProof="0" dirty="0" smtClean="0">
-                <a:ln>
-                  <a:noFill/>
-                </a:ln>
-                <a:solidFill>
-                  <a:schemeClr val="tx1"/>
-                </a:solidFill>
-                <a:effectLst/>
-                <a:uLnTx/>
-                <a:uFillTx/>
-                <a:latin typeface="+mn-lt"/>
-                <a:ea typeface="+mn-ea"/>
-                <a:cs typeface="+mn-cs"/>
-              </a:rPr>
-              <a:t>!2M.</a:t>
+              <a:t> !2M.</a:t>
             </a:r>
             <a:fld id="{B9A0B45D-6AFD-413C-B761-B121FB8BE940}" type="slidenum">
               <a:rPr kumimoji="0" lang="en-US" sz="1200" b="0" i="0" u="none" strike="noStrike" kern="1200" cap="none" spc="0" normalizeH="0" baseline="0" noProof="0" smtClean="0">
@@ -10918,13 +10624,13 @@
   <p:clrMapOvr>
     <a:masterClrMapping/>
   </p:clrMapOvr>
-  <mc:AlternateContent xmlns:mc="http://schemas.openxmlformats.org/markup-compatibility/2006">
-    <mc:Choice xmlns:p14="http://schemas.microsoft.com/office/powerpoint/2010/main" Requires="p14">
+  <mc:AlternateContent xmlns:mc="http://schemas.openxmlformats.org/markup-compatibility/2006" xmlns:p14="http://schemas.microsoft.com/office/powerpoint/2010/main">
+    <mc:Choice Requires="p14">
       <p:transition spd="med" p14:dur="700">
         <p:fade/>
       </p:transition>
     </mc:Choice>
-    <mc:Fallback>
+    <mc:Fallback xmlns="">
       <p:transition xmlns:p14="http://schemas.microsoft.com/office/powerpoint/2010/main" spd="med">
         <p:fade/>
       </p:transition>
@@ -11305,11 +11011,7 @@
             </a:r>
             <a:r>
               <a:rPr lang="en-US" dirty="0" smtClean="0"/>
-              <a:t> </a:t>
-            </a:r>
-            <a:r>
-              <a:rPr lang="en-US" dirty="0" smtClean="0"/>
-              <a:t>!2M.</a:t>
+              <a:t> !2M.</a:t>
             </a:r>
             <a:fld id="{1C897DF4-28BD-4138-81C1-642429381A63}" type="slidenum">
               <a:rPr lang="en-US" smtClean="0"/>
@@ -11342,7 +11044,6 @@
               <a:rPr lang="en-US" sz="4800" dirty="0" smtClean="0"/>
               <a:t>Independent Events</a:t>
             </a:r>
-            <a:endParaRPr lang="en-US" sz="4800" dirty="0" smtClean="0"/>
           </a:p>
         </p:txBody>
       </p:sp>
@@ -11638,24 +11339,7 @@
                 <a:ea typeface="+mn-ea"/>
                 <a:cs typeface="+mn-cs"/>
               </a:rPr>
-              <a:t> </a:t>
-            </a:r>
-            <a:r>
-              <a:rPr kumimoji="0" lang="en-US" sz="1200" b="0" i="0" u="none" strike="noStrike" kern="1200" cap="none" spc="0" normalizeH="0" baseline="0" noProof="0" dirty="0" smtClean="0">
-                <a:ln>
-                  <a:noFill/>
-                </a:ln>
-                <a:solidFill>
-                  <a:schemeClr val="tx1"/>
-                </a:solidFill>
-                <a:effectLst/>
-                <a:uLnTx/>
-                <a:uFillTx/>
-                <a:latin typeface="+mn-lt"/>
-                <a:ea typeface="+mn-ea"/>
-                <a:cs typeface="+mn-cs"/>
-              </a:rPr>
-              <a:t>!2M.</a:t>
+              <a:t> !2M.</a:t>
             </a:r>
             <a:fld id="{B9A0B45D-6AFD-413C-B761-B121FB8BE940}" type="slidenum">
               <a:rPr kumimoji="0" lang="en-US" sz="1200" b="0" i="0" u="none" strike="noStrike" kern="1200" cap="none" spc="0" normalizeH="0" baseline="0" noProof="0" smtClean="0">
@@ -12017,11 +11701,7 @@
             </a:r>
             <a:r>
               <a:rPr lang="en-US" dirty="0" smtClean="0"/>
-              <a:t> </a:t>
-            </a:r>
-            <a:r>
-              <a:rPr lang="en-US" dirty="0" smtClean="0"/>
-              <a:t>!2M.</a:t>
+              <a:t> !2M.</a:t>
             </a:r>
             <a:fld id="{95BE0A17-CC8A-4359-9FA2-C5A7897B1999}" type="slidenum">
               <a:rPr lang="en-US" smtClean="0"/>
@@ -12226,24 +11906,7 @@
                 <a:ea typeface="+mn-ea"/>
                 <a:cs typeface="+mn-cs"/>
               </a:rPr>
-              <a:t> </a:t>
-            </a:r>
-            <a:r>
-              <a:rPr kumimoji="0" lang="en-US" sz="1200" b="0" i="0" u="none" strike="noStrike" kern="1200" cap="none" spc="0" normalizeH="0" baseline="0" noProof="0" dirty="0" smtClean="0">
-                <a:ln>
-                  <a:noFill/>
-                </a:ln>
-                <a:solidFill>
-                  <a:schemeClr val="tx1"/>
-                </a:solidFill>
-                <a:effectLst/>
-                <a:uLnTx/>
-                <a:uFillTx/>
-                <a:latin typeface="+mn-lt"/>
-                <a:ea typeface="+mn-ea"/>
-                <a:cs typeface="+mn-cs"/>
-              </a:rPr>
-              <a:t>!2M.</a:t>
+              <a:t> !2M.</a:t>
             </a:r>
             <a:fld id="{B9A0B45D-6AFD-413C-B761-B121FB8BE940}" type="slidenum">
               <a:rPr kumimoji="0" lang="en-US" sz="1200" b="0" i="0" u="none" strike="noStrike" kern="1200" cap="none" spc="0" normalizeH="0" baseline="0" noProof="0" smtClean="0">
@@ -12301,13 +11964,13 @@
   <p:clrMapOvr>
     <a:masterClrMapping/>
   </p:clrMapOvr>
-  <mc:AlternateContent xmlns:mc="http://schemas.openxmlformats.org/markup-compatibility/2006">
-    <mc:Choice xmlns:p14="http://schemas.microsoft.com/office/powerpoint/2010/main" Requires="p14">
+  <mc:AlternateContent xmlns:mc="http://schemas.openxmlformats.org/markup-compatibility/2006" xmlns:p14="http://schemas.microsoft.com/office/powerpoint/2010/main">
+    <mc:Choice Requires="p14">
       <p:transition spd="med" p14:dur="700">
         <p:fade/>
       </p:transition>
     </mc:Choice>
-    <mc:Fallback>
+    <mc:Fallback xmlns="">
       <p:transition xmlns:p14="http://schemas.microsoft.com/office/powerpoint/2010/main" spd="med">
         <p:fade/>
       </p:transition>
@@ -12496,11 +12159,7 @@
             </a:r>
             <a:r>
               <a:rPr lang="en-US" dirty="0" smtClean="0"/>
-              <a:t> </a:t>
-            </a:r>
-            <a:r>
-              <a:rPr lang="en-US" dirty="0" smtClean="0"/>
-              <a:t>!2M.</a:t>
+              <a:t> !2M.</a:t>
             </a:r>
             <a:fld id="{A2D81367-6BCD-497D-A5EA-C966CF7160BB}" type="slidenum">
               <a:rPr lang="en-US" smtClean="0"/>
@@ -12699,24 +12358,7 @@
                 <a:ea typeface="+mn-ea"/>
                 <a:cs typeface="+mn-cs"/>
               </a:rPr>
-              <a:t> </a:t>
-            </a:r>
-            <a:r>
-              <a:rPr kumimoji="0" lang="en-US" sz="1200" b="0" i="0" u="none" strike="noStrike" kern="1200" cap="none" spc="0" normalizeH="0" baseline="0" noProof="0" dirty="0" smtClean="0">
-                <a:ln>
-                  <a:noFill/>
-                </a:ln>
-                <a:solidFill>
-                  <a:schemeClr val="tx1"/>
-                </a:solidFill>
-                <a:effectLst/>
-                <a:uLnTx/>
-                <a:uFillTx/>
-                <a:latin typeface="+mn-lt"/>
-                <a:ea typeface="+mn-ea"/>
-                <a:cs typeface="+mn-cs"/>
-              </a:rPr>
-              <a:t>!2M.</a:t>
+              <a:t> !2M.</a:t>
             </a:r>
             <a:fld id="{B9A0B45D-6AFD-413C-B761-B121FB8BE940}" type="slidenum">
               <a:rPr kumimoji="0" lang="en-US" sz="1200" b="0" i="0" u="none" strike="noStrike" kern="1200" cap="none" spc="0" normalizeH="0" baseline="0" noProof="0" smtClean="0">
@@ -12917,11 +12559,7 @@
             </a:r>
             <a:r>
               <a:rPr lang="en-US" dirty="0" smtClean="0"/>
-              <a:t> </a:t>
-            </a:r>
-            <a:r>
-              <a:rPr lang="en-US" dirty="0" smtClean="0"/>
-              <a:t>!2M.</a:t>
+              <a:t> !2M.</a:t>
             </a:r>
             <a:fld id="{70BFCCC0-ED85-44D1-8BC0-19E6FB2DE4B7}" type="slidenum">
               <a:rPr lang="en-US" smtClean="0"/>
@@ -13118,24 +12756,7 @@
                 <a:ea typeface="+mn-ea"/>
                 <a:cs typeface="+mn-cs"/>
               </a:rPr>
-              <a:t> </a:t>
-            </a:r>
-            <a:r>
-              <a:rPr kumimoji="0" lang="en-US" sz="1200" b="0" i="0" u="none" strike="noStrike" kern="1200" cap="none" spc="0" normalizeH="0" baseline="0" noProof="0" dirty="0" smtClean="0">
-                <a:ln>
-                  <a:noFill/>
-                </a:ln>
-                <a:solidFill>
-                  <a:schemeClr val="tx1"/>
-                </a:solidFill>
-                <a:effectLst/>
-                <a:uLnTx/>
-                <a:uFillTx/>
-                <a:latin typeface="+mn-lt"/>
-                <a:ea typeface="+mn-ea"/>
-                <a:cs typeface="+mn-cs"/>
-              </a:rPr>
-              <a:t>!2M.</a:t>
+              <a:t> !2M.</a:t>
             </a:r>
             <a:fld id="{B9A0B45D-6AFD-413C-B761-B121FB8BE940}" type="slidenum">
               <a:rPr kumimoji="0" lang="en-US" sz="1200" b="0" i="0" u="none" strike="noStrike" kern="1200" cap="none" spc="0" normalizeH="0" baseline="0" noProof="0" smtClean="0">
@@ -13193,13 +12814,13 @@
   <p:clrMapOvr>
     <a:masterClrMapping/>
   </p:clrMapOvr>
-  <mc:AlternateContent xmlns:mc="http://schemas.openxmlformats.org/markup-compatibility/2006">
-    <mc:Choice xmlns:p14="http://schemas.microsoft.com/office/powerpoint/2010/main" Requires="p14">
+  <mc:AlternateContent xmlns:mc="http://schemas.openxmlformats.org/markup-compatibility/2006" xmlns:p14="http://schemas.microsoft.com/office/powerpoint/2010/main">
+    <mc:Choice Requires="p14">
       <p:transition spd="med" p14:dur="700">
         <p:fade/>
       </p:transition>
     </mc:Choice>
-    <mc:Fallback>
+    <mc:Fallback xmlns="">
       <p:transition xmlns:p14="http://schemas.microsoft.com/office/powerpoint/2010/main" spd="med">
         <p:fade/>
       </p:transition>
@@ -13261,11 +12882,7 @@
             </a:r>
             <a:r>
               <a:rPr lang="en-US" dirty="0" smtClean="0"/>
-              <a:t> </a:t>
-            </a:r>
-            <a:r>
-              <a:rPr lang="en-US" dirty="0" smtClean="0"/>
-              <a:t>!2M.</a:t>
+              <a:t> !2M.</a:t>
             </a:r>
             <a:fld id="{5A566AFE-CD65-40D2-BA2E-07E1403AEF0F}" type="slidenum">
               <a:rPr lang="en-US" smtClean="0"/>
@@ -13504,24 +13121,7 @@
                 <a:ea typeface="+mn-ea"/>
                 <a:cs typeface="+mn-cs"/>
               </a:rPr>
-              <a:t> </a:t>
-            </a:r>
-            <a:r>
-              <a:rPr kumimoji="0" lang="en-US" sz="1200" b="0" i="0" u="none" strike="noStrike" kern="1200" cap="none" spc="0" normalizeH="0" baseline="0" noProof="0" dirty="0" smtClean="0">
-                <a:ln>
-                  <a:noFill/>
-                </a:ln>
-                <a:solidFill>
-                  <a:schemeClr val="tx1"/>
-                </a:solidFill>
-                <a:effectLst/>
-                <a:uLnTx/>
-                <a:uFillTx/>
-                <a:latin typeface="+mn-lt"/>
-                <a:ea typeface="+mn-ea"/>
-                <a:cs typeface="+mn-cs"/>
-              </a:rPr>
-              <a:t>!2M.</a:t>
+              <a:t> !2M.</a:t>
             </a:r>
             <a:fld id="{B9A0B45D-6AFD-413C-B761-B121FB8BE940}" type="slidenum">
               <a:rPr kumimoji="0" lang="en-US" sz="1200" b="0" i="0" u="none" strike="noStrike" kern="1200" cap="none" spc="0" normalizeH="0" baseline="0" noProof="0" smtClean="0">
@@ -13579,13 +13179,13 @@
   <p:clrMapOvr>
     <a:masterClrMapping/>
   </p:clrMapOvr>
-  <mc:AlternateContent xmlns:mc="http://schemas.openxmlformats.org/markup-compatibility/2006">
-    <mc:Choice xmlns:p14="http://schemas.microsoft.com/office/powerpoint/2010/main" Requires="p14">
+  <mc:AlternateContent xmlns:mc="http://schemas.openxmlformats.org/markup-compatibility/2006" xmlns:p14="http://schemas.microsoft.com/office/powerpoint/2010/main">
+    <mc:Choice Requires="p14">
       <p:transition spd="med" p14:dur="700">
         <p:fade/>
       </p:transition>
     </mc:Choice>
-    <mc:Fallback>
+    <mc:Fallback xmlns="">
       <p:transition xmlns:p14="http://schemas.microsoft.com/office/powerpoint/2010/main" spd="med">
         <p:fade/>
       </p:transition>
@@ -13928,11 +13528,7 @@
             </a:r>
             <a:r>
               <a:rPr lang="en-US" dirty="0" smtClean="0"/>
-              <a:t> </a:t>
-            </a:r>
-            <a:r>
-              <a:rPr lang="en-US" dirty="0" smtClean="0"/>
-              <a:t>!2M.</a:t>
+              <a:t> !2M.</a:t>
             </a:r>
             <a:fld id="{679D5B46-281B-48C5-ADB5-CFE0495CD191}" type="slidenum">
               <a:rPr lang="en-US" smtClean="0"/>
@@ -14033,24 +13629,7 @@
                 <a:ea typeface="+mn-ea"/>
                 <a:cs typeface="+mn-cs"/>
               </a:rPr>
-              <a:t> </a:t>
-            </a:r>
-            <a:r>
-              <a:rPr kumimoji="0" lang="en-US" sz="1200" b="0" i="0" u="none" strike="noStrike" kern="1200" cap="none" spc="0" normalizeH="0" baseline="0" noProof="0" dirty="0" smtClean="0">
-                <a:ln>
-                  <a:noFill/>
-                </a:ln>
-                <a:solidFill>
-                  <a:schemeClr val="tx1"/>
-                </a:solidFill>
-                <a:effectLst/>
-                <a:uLnTx/>
-                <a:uFillTx/>
-                <a:latin typeface="+mn-lt"/>
-                <a:ea typeface="+mn-ea"/>
-                <a:cs typeface="+mn-cs"/>
-              </a:rPr>
-              <a:t>!2M.</a:t>
+              <a:t> !2M.</a:t>
             </a:r>
             <a:fld id="{B9A0B45D-6AFD-413C-B761-B121FB8BE940}" type="slidenum">
               <a:rPr kumimoji="0" lang="en-US" sz="1200" b="0" i="0" u="none" strike="noStrike" kern="1200" cap="none" spc="0" normalizeH="0" baseline="0" noProof="0" smtClean="0">
@@ -14300,11 +13879,7 @@
             </a:r>
             <a:r>
               <a:rPr lang="en-US" dirty="0" smtClean="0"/>
-              <a:t> </a:t>
-            </a:r>
-            <a:r>
-              <a:rPr lang="en-US" dirty="0" smtClean="0"/>
-              <a:t>!2M.</a:t>
+              <a:t> !2M.</a:t>
             </a:r>
             <a:fld id="{B9A0B45D-6AFD-413C-B761-B121FB8BE940}" type="slidenum">
               <a:rPr lang="en-US" smtClean="0"/>
@@ -14339,7 +13914,7 @@
           <a:graphicData uri="http://schemas.openxmlformats.org/presentationml/2006/ole">
             <mc:AlternateContent xmlns:mc="http://schemas.openxmlformats.org/markup-compatibility/2006">
               <mc:Choice xmlns:v="urn:schemas-microsoft-com:vml" Requires="v">
-                <p:oleObj spid="_x0000_s347149" name="Equation" r:id="rId3" imgW="1930400" imgH="558800" progId="Equation.DSMT4">
+                <p:oleObj spid="_x0000_s347151" name="Equation" r:id="rId3" imgW="1930400" imgH="558800" progId="Equation.DSMT4">
                   <p:embed/>
                 </p:oleObj>
               </mc:Choice>
@@ -14690,11 +14265,7 @@
             </a:r>
             <a:r>
               <a:rPr lang="en-US" dirty="0" smtClean="0"/>
-              <a:t> </a:t>
-            </a:r>
-            <a:r>
-              <a:rPr lang="en-US" dirty="0" smtClean="0"/>
-              <a:t>!2M.</a:t>
+              <a:t> !2M.</a:t>
             </a:r>
             <a:fld id="{679D5B46-281B-48C5-ADB5-CFE0495CD191}" type="slidenum">
               <a:rPr lang="en-US" smtClean="0"/>
@@ -14795,24 +14366,7 @@
                 <a:ea typeface="+mn-ea"/>
                 <a:cs typeface="+mn-cs"/>
               </a:rPr>
-              <a:t> </a:t>
-            </a:r>
-            <a:r>
-              <a:rPr kumimoji="0" lang="en-US" sz="1200" b="0" i="0" u="none" strike="noStrike" kern="1200" cap="none" spc="0" normalizeH="0" baseline="0" noProof="0" dirty="0" smtClean="0">
-                <a:ln>
-                  <a:noFill/>
-                </a:ln>
-                <a:solidFill>
-                  <a:schemeClr val="tx1"/>
-                </a:solidFill>
-                <a:effectLst/>
-                <a:uLnTx/>
-                <a:uFillTx/>
-                <a:latin typeface="+mn-lt"/>
-                <a:ea typeface="+mn-ea"/>
-                <a:cs typeface="+mn-cs"/>
-              </a:rPr>
-              <a:t>!2M.</a:t>
+              <a:t> !2M.</a:t>
             </a:r>
             <a:fld id="{B9A0B45D-6AFD-413C-B761-B121FB8BE940}" type="slidenum">
               <a:rPr kumimoji="0" lang="en-US" sz="1200" b="0" i="0" u="none" strike="noStrike" kern="1200" cap="none" spc="0" normalizeH="0" baseline="0" noProof="0" smtClean="0">
@@ -15081,11 +14635,7 @@
             </a:r>
             <a:r>
               <a:rPr lang="en-US" dirty="0" smtClean="0"/>
-              <a:t> </a:t>
-            </a:r>
-            <a:r>
-              <a:rPr lang="en-US" dirty="0" smtClean="0"/>
-              <a:t>!2M.</a:t>
+              <a:t> !2M.</a:t>
             </a:r>
             <a:fld id="{679D5B46-281B-48C5-ADB5-CFE0495CD191}" type="slidenum">
               <a:rPr lang="en-US" smtClean="0"/>
@@ -15186,24 +14736,7 @@
                 <a:ea typeface="+mn-ea"/>
                 <a:cs typeface="+mn-cs"/>
               </a:rPr>
-              <a:t> </a:t>
-            </a:r>
-            <a:r>
-              <a:rPr kumimoji="0" lang="en-US" sz="1200" b="0" i="0" u="none" strike="noStrike" kern="1200" cap="none" spc="0" normalizeH="0" baseline="0" noProof="0" dirty="0" smtClean="0">
-                <a:ln>
-                  <a:noFill/>
-                </a:ln>
-                <a:solidFill>
-                  <a:schemeClr val="tx1"/>
-                </a:solidFill>
-                <a:effectLst/>
-                <a:uLnTx/>
-                <a:uFillTx/>
-                <a:latin typeface="+mn-lt"/>
-                <a:ea typeface="+mn-ea"/>
-                <a:cs typeface="+mn-cs"/>
-              </a:rPr>
-              <a:t>!2M.</a:t>
+              <a:t> !2M.</a:t>
             </a:r>
             <a:fld id="{B9A0B45D-6AFD-413C-B761-B121FB8BE940}" type="slidenum">
               <a:rPr kumimoji="0" lang="en-US" sz="1200" b="0" i="0" u="none" strike="noStrike" kern="1200" cap="none" spc="0" normalizeH="0" baseline="0" noProof="0" smtClean="0">
@@ -15278,7 +14811,7 @@
           <a:graphicData uri="http://schemas.openxmlformats.org/presentationml/2006/ole">
             <mc:AlternateContent xmlns:mc="http://schemas.openxmlformats.org/markup-compatibility/2006">
               <mc:Choice xmlns:v="urn:schemas-microsoft-com:vml" Requires="v">
-                <p:oleObj spid="_x0000_s348171" name="Equation" r:id="rId4" imgW="1676400" imgH="635000" progId="Equation.DSMT4">
+                <p:oleObj spid="_x0000_s348173" name="Equation" r:id="rId4" imgW="1676400" imgH="635000" progId="Equation.DSMT4">
                   <p:embed/>
                 </p:oleObj>
               </mc:Choice>
@@ -15359,13 +14892,13 @@
   <p:clrMapOvr>
     <a:masterClrMapping/>
   </p:clrMapOvr>
-  <mc:AlternateContent xmlns:mc="http://schemas.openxmlformats.org/markup-compatibility/2006">
-    <mc:Choice xmlns:p14="http://schemas.microsoft.com/office/powerpoint/2010/main" Requires="p14">
+  <mc:AlternateContent xmlns:mc="http://schemas.openxmlformats.org/markup-compatibility/2006" xmlns:p14="http://schemas.microsoft.com/office/powerpoint/2010/main">
+    <mc:Choice Requires="p14">
       <p:transition spd="med" p14:dur="700">
         <p:fade/>
       </p:transition>
     </mc:Choice>
-    <mc:Fallback>
+    <mc:Fallback xmlns="">
       <p:transition xmlns:p14="http://schemas.microsoft.com/office/powerpoint/2010/main" spd="med">
         <p:fade/>
       </p:transition>
@@ -15685,11 +15218,7 @@
             </a:r>
             <a:r>
               <a:rPr lang="en-US" dirty="0" smtClean="0"/>
-              <a:t> </a:t>
-            </a:r>
-            <a:r>
-              <a:rPr lang="en-US" dirty="0" smtClean="0"/>
-              <a:t>!2M.</a:t>
+              <a:t> !2M.</a:t>
             </a:r>
             <a:fld id="{679D5B46-281B-48C5-ADB5-CFE0495CD191}" type="slidenum">
               <a:rPr lang="en-US" smtClean="0"/>
@@ -15790,24 +15319,7 @@
                 <a:ea typeface="+mn-ea"/>
                 <a:cs typeface="+mn-cs"/>
               </a:rPr>
-              <a:t> </a:t>
-            </a:r>
-            <a:r>
-              <a:rPr kumimoji="0" lang="en-US" sz="1200" b="0" i="0" u="none" strike="noStrike" kern="1200" cap="none" spc="0" normalizeH="0" baseline="0" noProof="0" dirty="0" smtClean="0">
-                <a:ln>
-                  <a:noFill/>
-                </a:ln>
-                <a:solidFill>
-                  <a:schemeClr val="tx1"/>
-                </a:solidFill>
-                <a:effectLst/>
-                <a:uLnTx/>
-                <a:uFillTx/>
-                <a:latin typeface="+mn-lt"/>
-                <a:ea typeface="+mn-ea"/>
-                <a:cs typeface="+mn-cs"/>
-              </a:rPr>
-              <a:t>!2M.</a:t>
+              <a:t> !2M.</a:t>
             </a:r>
             <a:fld id="{B9A0B45D-6AFD-413C-B761-B121FB8BE940}" type="slidenum">
               <a:rPr kumimoji="0" lang="en-US" sz="1200" b="0" i="0" u="none" strike="noStrike" kern="1200" cap="none" spc="0" normalizeH="0" baseline="0" noProof="0" smtClean="0">
@@ -16945,11 +16457,7 @@
             </a:r>
             <a:r>
               <a:rPr lang="en-US" dirty="0" smtClean="0"/>
-              <a:t> </a:t>
-            </a:r>
-            <a:r>
-              <a:rPr lang="en-US" dirty="0" smtClean="0"/>
-              <a:t>!2M.</a:t>
+              <a:t> !2M.</a:t>
             </a:r>
             <a:fld id="{679D5B46-281B-48C5-ADB5-CFE0495CD191}" type="slidenum">
               <a:rPr lang="en-US" smtClean="0"/>
@@ -17050,24 +16558,7 @@
                 <a:ea typeface="+mn-ea"/>
                 <a:cs typeface="+mn-cs"/>
               </a:rPr>
-              <a:t> </a:t>
-            </a:r>
-            <a:r>
-              <a:rPr kumimoji="0" lang="en-US" sz="1200" b="0" i="0" u="none" strike="noStrike" kern="1200" cap="none" spc="0" normalizeH="0" baseline="0" noProof="0" dirty="0" smtClean="0">
-                <a:ln>
-                  <a:noFill/>
-                </a:ln>
-                <a:solidFill>
-                  <a:schemeClr val="tx1"/>
-                </a:solidFill>
-                <a:effectLst/>
-                <a:uLnTx/>
-                <a:uFillTx/>
-                <a:latin typeface="+mn-lt"/>
-                <a:ea typeface="+mn-ea"/>
-                <a:cs typeface="+mn-cs"/>
-              </a:rPr>
-              <a:t>!2M.</a:t>
+              <a:t> !2M.</a:t>
             </a:r>
             <a:fld id="{B9A0B45D-6AFD-413C-B761-B121FB8BE940}" type="slidenum">
               <a:rPr kumimoji="0" lang="en-US" sz="1200" b="0" i="0" u="none" strike="noStrike" kern="1200" cap="none" spc="0" normalizeH="0" baseline="0" noProof="0" smtClean="0">
@@ -17130,13 +16621,13 @@
   <p:clrMapOvr>
     <a:masterClrMapping/>
   </p:clrMapOvr>
-  <mc:AlternateContent xmlns:mc="http://schemas.openxmlformats.org/markup-compatibility/2006">
-    <mc:Choice xmlns:p14="http://schemas.microsoft.com/office/powerpoint/2010/main" Requires="p14">
+  <mc:AlternateContent xmlns:mc="http://schemas.openxmlformats.org/markup-compatibility/2006" xmlns:p14="http://schemas.microsoft.com/office/powerpoint/2010/main">
+    <mc:Choice Requires="p14">
       <p:transition spd="med" p14:dur="700">
         <p:fade/>
       </p:transition>
     </mc:Choice>
-    <mc:Fallback>
+    <mc:Fallback xmlns="">
       <p:transition xmlns:p14="http://schemas.microsoft.com/office/powerpoint/2010/main" spd="med">
         <p:fade/>
       </p:transition>
@@ -17432,11 +16923,7 @@
             </a:r>
             <a:r>
               <a:rPr lang="en-US" dirty="0" smtClean="0"/>
-              <a:t> </a:t>
-            </a:r>
-            <a:r>
-              <a:rPr lang="en-US" dirty="0" smtClean="0"/>
-              <a:t>!2M.</a:t>
+              <a:t> !2M.</a:t>
             </a:r>
             <a:fld id="{E0A3EF45-8ED1-4608-B264-D60A304B6B90}" type="slidenum">
               <a:rPr lang="en-US" smtClean="0"/>
@@ -17761,7 +17248,7 @@
           <a:graphicData uri="http://schemas.openxmlformats.org/presentationml/2006/ole">
             <mc:AlternateContent xmlns:mc="http://schemas.openxmlformats.org/markup-compatibility/2006">
               <mc:Choice xmlns:v="urn:schemas-microsoft-com:vml" Requires="v">
-                <p:oleObj spid="_x0000_s5190" name="Equation" r:id="rId4" imgW="698400" imgH="431640" progId="Equation.DSMT4">
+                <p:oleObj spid="_x0000_s5194" name="Equation" r:id="rId4" imgW="698400" imgH="431640" progId="Equation.DSMT4">
                   <p:embed/>
                 </p:oleObj>
               </mc:Choice>
@@ -17831,7 +17318,7 @@
           <a:graphicData uri="http://schemas.openxmlformats.org/presentationml/2006/ole">
             <mc:AlternateContent xmlns:mc="http://schemas.openxmlformats.org/markup-compatibility/2006">
               <mc:Choice xmlns:v="urn:schemas-microsoft-com:vml" Requires="v">
-                <p:oleObj spid="_x0000_s5191" name="Equation" r:id="rId6" imgW="114120" imgH="215640" progId="Equation.3">
+                <p:oleObj spid="_x0000_s5195" name="Equation" r:id="rId6" imgW="114120" imgH="215640" progId="Equation.3">
                   <p:embed/>
                 </p:oleObj>
               </mc:Choice>
@@ -17901,7 +17388,7 @@
           <a:graphicData uri="http://schemas.openxmlformats.org/presentationml/2006/ole">
             <mc:AlternateContent xmlns:mc="http://schemas.openxmlformats.org/markup-compatibility/2006">
               <mc:Choice xmlns:v="urn:schemas-microsoft-com:vml" Requires="v">
-                <p:oleObj spid="_x0000_s5192" name="Equation" r:id="rId8" imgW="114120" imgH="215640" progId="Equation.3">
+                <p:oleObj spid="_x0000_s5196" name="Equation" r:id="rId8" imgW="114120" imgH="215640" progId="Equation.3">
                   <p:embed/>
                 </p:oleObj>
               </mc:Choice>
@@ -18043,24 +17530,7 @@
                 <a:ea typeface="+mn-ea"/>
                 <a:cs typeface="+mn-cs"/>
               </a:rPr>
-              <a:t> </a:t>
-            </a:r>
-            <a:r>
-              <a:rPr kumimoji="0" lang="en-US" sz="1200" b="0" i="0" u="none" strike="noStrike" kern="1200" cap="none" spc="0" normalizeH="0" baseline="0" noProof="0" dirty="0" smtClean="0">
-                <a:ln>
-                  <a:noFill/>
-                </a:ln>
-                <a:solidFill>
-                  <a:schemeClr val="tx1"/>
-                </a:solidFill>
-                <a:effectLst/>
-                <a:uLnTx/>
-                <a:uFillTx/>
-                <a:latin typeface="+mn-lt"/>
-                <a:ea typeface="+mn-ea"/>
-                <a:cs typeface="+mn-cs"/>
-              </a:rPr>
-              <a:t>!2M.</a:t>
+              <a:t> !2M.</a:t>
             </a:r>
             <a:fld id="{B9A0B45D-6AFD-413C-B761-B121FB8BE940}" type="slidenum">
               <a:rPr kumimoji="0" lang="en-US" sz="1200" b="0" i="0" u="none" strike="noStrike" kern="1200" cap="none" spc="0" normalizeH="0" baseline="0" noProof="0" smtClean="0">
@@ -18118,13 +17588,13 @@
   <p:clrMapOvr>
     <a:masterClrMapping/>
   </p:clrMapOvr>
-  <mc:AlternateContent xmlns:mc="http://schemas.openxmlformats.org/markup-compatibility/2006">
-    <mc:Choice xmlns:p14="http://schemas.microsoft.com/office/powerpoint/2010/main" Requires="p14">
+  <mc:AlternateContent xmlns:mc="http://schemas.openxmlformats.org/markup-compatibility/2006" xmlns:p14="http://schemas.microsoft.com/office/powerpoint/2010/main">
+    <mc:Choice Requires="p14">
       <p:transition spd="med" p14:dur="700">
         <p:fade/>
       </p:transition>
     </mc:Choice>
-    <mc:Fallback>
+    <mc:Fallback xmlns="">
       <p:transition xmlns:p14="http://schemas.microsoft.com/office/powerpoint/2010/main" spd="med">
         <p:fade/>
       </p:transition>
@@ -18567,11 +18037,7 @@
             </a:r>
             <a:r>
               <a:rPr lang="en-US" dirty="0" smtClean="0"/>
-              <a:t> </a:t>
-            </a:r>
-            <a:r>
-              <a:rPr lang="en-US" dirty="0" smtClean="0"/>
-              <a:t>!2M.</a:t>
+              <a:t> !2M.</a:t>
             </a:r>
             <a:fld id="{679D5B46-281B-48C5-ADB5-CFE0495CD191}" type="slidenum">
               <a:rPr lang="en-US" smtClean="0"/>
@@ -18818,24 +18284,7 @@
                 <a:ea typeface="+mn-ea"/>
                 <a:cs typeface="+mn-cs"/>
               </a:rPr>
-              <a:t> </a:t>
-            </a:r>
-            <a:r>
-              <a:rPr kumimoji="0" lang="en-US" sz="1200" b="0" i="0" u="none" strike="noStrike" kern="1200" cap="none" spc="0" normalizeH="0" baseline="0" noProof="0" dirty="0" smtClean="0">
-                <a:ln>
-                  <a:noFill/>
-                </a:ln>
-                <a:solidFill>
-                  <a:schemeClr val="tx1"/>
-                </a:solidFill>
-                <a:effectLst/>
-                <a:uLnTx/>
-                <a:uFillTx/>
-                <a:latin typeface="+mn-lt"/>
-                <a:ea typeface="+mn-ea"/>
-                <a:cs typeface="+mn-cs"/>
-              </a:rPr>
-              <a:t>!2M.</a:t>
+              <a:t> !2M.</a:t>
             </a:r>
             <a:fld id="{B9A0B45D-6AFD-413C-B761-B121FB8BE940}" type="slidenum">
               <a:rPr kumimoji="0" lang="en-US" sz="1200" b="0" i="0" u="none" strike="noStrike" kern="1200" cap="none" spc="0" normalizeH="0" baseline="0" noProof="0" smtClean="0">
@@ -19301,11 +18750,7 @@
             </a:r>
             <a:r>
               <a:rPr lang="en-US" dirty="0" smtClean="0"/>
-              <a:t> </a:t>
-            </a:r>
-            <a:r>
-              <a:rPr lang="en-US" dirty="0" smtClean="0"/>
-              <a:t>!2M.</a:t>
+              <a:t> !2M.</a:t>
             </a:r>
             <a:fld id="{679D5B46-281B-48C5-ADB5-CFE0495CD191}" type="slidenum">
               <a:rPr lang="en-US" smtClean="0"/>
@@ -19334,7 +18779,7 @@
           <a:graphicData uri="http://schemas.openxmlformats.org/presentationml/2006/ole">
             <mc:AlternateContent xmlns:mc="http://schemas.openxmlformats.org/markup-compatibility/2006">
               <mc:Choice xmlns:v="urn:schemas-microsoft-com:vml" Requires="v">
-                <p:oleObj spid="_x0000_s329759" name="Equation" r:id="rId4" imgW="1727200" imgH="647700" progId="Equation.DSMT4">
+                <p:oleObj spid="_x0000_s329762" name="Equation" r:id="rId4" imgW="1727200" imgH="647700" progId="Equation.DSMT4">
                   <p:embed/>
                 </p:oleObj>
               </mc:Choice>
@@ -19452,7 +18897,7 @@
             <a:graphicData uri="http://schemas.openxmlformats.org/presentationml/2006/ole">
               <mc:AlternateContent xmlns:mc="http://schemas.openxmlformats.org/markup-compatibility/2006">
                 <mc:Choice xmlns:v="urn:schemas-microsoft-com:vml" Requires="v">
-                  <p:oleObj spid="_x0000_s329760" name="Equation" r:id="rId6" imgW="215900" imgH="368300" progId="Equation.DSMT4">
+                  <p:oleObj spid="_x0000_s329763" name="Equation" r:id="rId6" imgW="215900" imgH="368300" progId="Equation.DSMT4">
                     <p:embed/>
                   </p:oleObj>
                 </mc:Choice>
@@ -19741,24 +19186,7 @@
                 <a:ea typeface="+mn-ea"/>
                 <a:cs typeface="+mn-cs"/>
               </a:rPr>
-              <a:t> </a:t>
-            </a:r>
-            <a:r>
-              <a:rPr kumimoji="0" lang="en-US" sz="1200" b="0" i="0" u="none" strike="noStrike" kern="1200" cap="none" spc="0" normalizeH="0" baseline="0" noProof="0" dirty="0" smtClean="0">
-                <a:ln>
-                  <a:noFill/>
-                </a:ln>
-                <a:solidFill>
-                  <a:schemeClr val="tx1"/>
-                </a:solidFill>
-                <a:effectLst/>
-                <a:uLnTx/>
-                <a:uFillTx/>
-                <a:latin typeface="+mn-lt"/>
-                <a:ea typeface="+mn-ea"/>
-                <a:cs typeface="+mn-cs"/>
-              </a:rPr>
-              <a:t>!2M.</a:t>
+              <a:t> !2M.</a:t>
             </a:r>
             <a:fld id="{B9A0B45D-6AFD-413C-B761-B121FB8BE940}" type="slidenum">
               <a:rPr kumimoji="0" lang="en-US" sz="1200" b="0" i="0" u="none" strike="noStrike" kern="1200" cap="none" spc="0" normalizeH="0" baseline="0" noProof="0" smtClean="0">
@@ -20137,11 +19565,7 @@
             </a:r>
             <a:r>
               <a:rPr lang="en-US" dirty="0" smtClean="0"/>
-              <a:t> </a:t>
-            </a:r>
-            <a:r>
-              <a:rPr lang="en-US" dirty="0" smtClean="0"/>
-              <a:t>!2M.</a:t>
+              <a:t> !2M.</a:t>
             </a:r>
             <a:fld id="{A7C709AE-DFC1-4AD3-8B5A-939424C9D7C6}" type="slidenum">
               <a:rPr lang="en-US" smtClean="0"/>
@@ -20461,24 +19885,7 @@
                 <a:ea typeface="+mn-ea"/>
                 <a:cs typeface="+mn-cs"/>
               </a:rPr>
-              <a:t> </a:t>
-            </a:r>
-            <a:r>
-              <a:rPr kumimoji="0" lang="en-US" sz="1200" b="0" i="0" u="none" strike="noStrike" kern="1200" cap="none" spc="0" normalizeH="0" baseline="0" noProof="0" dirty="0" smtClean="0">
-                <a:ln>
-                  <a:noFill/>
-                </a:ln>
-                <a:solidFill>
-                  <a:schemeClr val="tx1"/>
-                </a:solidFill>
-                <a:effectLst/>
-                <a:uLnTx/>
-                <a:uFillTx/>
-                <a:latin typeface="+mn-lt"/>
-                <a:ea typeface="+mn-ea"/>
-                <a:cs typeface="+mn-cs"/>
-              </a:rPr>
-              <a:t>!2M.</a:t>
+              <a:t> !2M.</a:t>
             </a:r>
             <a:fld id="{B9A0B45D-6AFD-413C-B761-B121FB8BE940}" type="slidenum">
               <a:rPr kumimoji="0" lang="en-US" sz="1200" b="0" i="0" u="none" strike="noStrike" kern="1200" cap="none" spc="0" normalizeH="0" baseline="0" noProof="0" smtClean="0">
@@ -20536,13 +19943,13 @@
   <p:clrMapOvr>
     <a:masterClrMapping/>
   </p:clrMapOvr>
-  <mc:AlternateContent xmlns:mc="http://schemas.openxmlformats.org/markup-compatibility/2006">
-    <mc:Choice xmlns:p14="http://schemas.microsoft.com/office/powerpoint/2010/main" Requires="p14">
+  <mc:AlternateContent xmlns:mc="http://schemas.openxmlformats.org/markup-compatibility/2006" xmlns:p14="http://schemas.microsoft.com/office/powerpoint/2010/main">
+    <mc:Choice Requires="p14">
       <p:transition spd="med" p14:dur="700">
         <p:fade/>
       </p:transition>
     </mc:Choice>
-    <mc:Fallback>
+    <mc:Fallback xmlns="">
       <p:transition xmlns:p14="http://schemas.microsoft.com/office/powerpoint/2010/main" spd="med">
         <p:fade/>
       </p:transition>
@@ -20730,11 +20137,7 @@
             </a:r>
             <a:r>
               <a:rPr lang="en-US" dirty="0" smtClean="0"/>
-              <a:t> </a:t>
-            </a:r>
-            <a:r>
-              <a:rPr lang="en-US" dirty="0" smtClean="0"/>
-              <a:t>!2M.</a:t>
+              <a:t> !2M.</a:t>
             </a:r>
             <a:fld id="{59A5E57D-2001-41D4-AD76-19AF9DD79E3E}" type="slidenum">
               <a:rPr lang="en-US" smtClean="0"/>
@@ -21109,24 +20512,7 @@
                 <a:ea typeface="+mn-ea"/>
                 <a:cs typeface="+mn-cs"/>
               </a:rPr>
-              <a:t> </a:t>
-            </a:r>
-            <a:r>
-              <a:rPr kumimoji="0" lang="en-US" sz="1200" b="0" i="0" u="none" strike="noStrike" kern="1200" cap="none" spc="0" normalizeH="0" baseline="0" noProof="0" dirty="0" smtClean="0">
-                <a:ln>
-                  <a:noFill/>
-                </a:ln>
-                <a:solidFill>
-                  <a:schemeClr val="tx1"/>
-                </a:solidFill>
-                <a:effectLst/>
-                <a:uLnTx/>
-                <a:uFillTx/>
-                <a:latin typeface="+mn-lt"/>
-                <a:ea typeface="+mn-ea"/>
-                <a:cs typeface="+mn-cs"/>
-              </a:rPr>
-              <a:t>!2M.</a:t>
+              <a:t> !2M.</a:t>
             </a:r>
             <a:fld id="{B9A0B45D-6AFD-413C-B761-B121FB8BE940}" type="slidenum">
               <a:rPr kumimoji="0" lang="en-US" sz="1200" b="0" i="0" u="none" strike="noStrike" kern="1200" cap="none" spc="0" normalizeH="0" baseline="0" noProof="0" smtClean="0">
@@ -21184,13 +20570,13 @@
   <p:clrMapOvr>
     <a:masterClrMapping/>
   </p:clrMapOvr>
-  <mc:AlternateContent xmlns:mc="http://schemas.openxmlformats.org/markup-compatibility/2006">
-    <mc:Choice xmlns:p14="http://schemas.microsoft.com/office/powerpoint/2010/main" Requires="p14">
+  <mc:AlternateContent xmlns:mc="http://schemas.openxmlformats.org/markup-compatibility/2006" xmlns:p14="http://schemas.microsoft.com/office/powerpoint/2010/main">
+    <mc:Choice Requires="p14">
       <p:transition spd="med" p14:dur="700">
         <p:fade/>
       </p:transition>
     </mc:Choice>
-    <mc:Fallback>
+    <mc:Fallback xmlns="">
       <p:transition xmlns:p14="http://schemas.microsoft.com/office/powerpoint/2010/main" spd="med">
         <p:fade/>
       </p:transition>
@@ -21355,11 +20741,7 @@
             </a:r>
             <a:r>
               <a:rPr lang="en-US" dirty="0" smtClean="0"/>
-              <a:t> </a:t>
-            </a:r>
-            <a:r>
-              <a:rPr lang="en-US" dirty="0" smtClean="0"/>
-              <a:t>!2M.</a:t>
+              <a:t> !2M.</a:t>
             </a:r>
             <a:fld id="{2D994F43-519D-419E-A160-538A20EAE50C}" type="slidenum">
               <a:rPr lang="en-US" smtClean="0"/>
@@ -21591,24 +20973,7 @@
                 <a:ea typeface="+mn-ea"/>
                 <a:cs typeface="+mn-cs"/>
               </a:rPr>
-              <a:t> </a:t>
-            </a:r>
-            <a:r>
-              <a:rPr kumimoji="0" lang="en-US" sz="1200" b="0" i="0" u="none" strike="noStrike" kern="1200" cap="none" spc="0" normalizeH="0" baseline="0" noProof="0" dirty="0" smtClean="0">
-                <a:ln>
-                  <a:noFill/>
-                </a:ln>
-                <a:solidFill>
-                  <a:schemeClr val="tx1"/>
-                </a:solidFill>
-                <a:effectLst/>
-                <a:uLnTx/>
-                <a:uFillTx/>
-                <a:latin typeface="+mn-lt"/>
-                <a:ea typeface="+mn-ea"/>
-                <a:cs typeface="+mn-cs"/>
-              </a:rPr>
-              <a:t>!2M.</a:t>
+              <a:t> !2M.</a:t>
             </a:r>
             <a:fld id="{B9A0B45D-6AFD-413C-B761-B121FB8BE940}" type="slidenum">
               <a:rPr kumimoji="0" lang="en-US" sz="1200" b="0" i="0" u="none" strike="noStrike" kern="1200" cap="none" spc="0" normalizeH="0" baseline="0" noProof="0" smtClean="0">
@@ -21666,13 +21031,13 @@
   <p:clrMapOvr>
     <a:masterClrMapping/>
   </p:clrMapOvr>
-  <mc:AlternateContent xmlns:mc="http://schemas.openxmlformats.org/markup-compatibility/2006">
-    <mc:Choice xmlns:p14="http://schemas.microsoft.com/office/powerpoint/2010/main" Requires="p14">
+  <mc:AlternateContent xmlns:mc="http://schemas.openxmlformats.org/markup-compatibility/2006" xmlns:p14="http://schemas.microsoft.com/office/powerpoint/2010/main">
+    <mc:Choice Requires="p14">
       <p:transition spd="med" p14:dur="700">
         <p:fade/>
       </p:transition>
     </mc:Choice>
-    <mc:Fallback>
+    <mc:Fallback xmlns="">
       <p:transition xmlns:p14="http://schemas.microsoft.com/office/powerpoint/2010/main" spd="med">
         <p:fade/>
       </p:transition>
@@ -21855,11 +21220,7 @@
             </a:r>
             <a:r>
               <a:rPr lang="en-US" dirty="0" smtClean="0"/>
-              <a:t> </a:t>
-            </a:r>
-            <a:r>
-              <a:rPr lang="en-US" dirty="0" smtClean="0"/>
-              <a:t>!2M.</a:t>
+              <a:t> !2M.</a:t>
             </a:r>
             <a:fld id="{B091242E-EDE0-4F6A-BA69-15FFB65BD54E}" type="slidenum">
               <a:rPr lang="en-US" smtClean="0"/>
@@ -22064,24 +21425,7 @@
                 <a:ea typeface="+mn-ea"/>
                 <a:cs typeface="+mn-cs"/>
               </a:rPr>
-              <a:t> </a:t>
-            </a:r>
-            <a:r>
-              <a:rPr kumimoji="0" lang="en-US" sz="1200" b="0" i="0" u="none" strike="noStrike" kern="1200" cap="none" spc="0" normalizeH="0" baseline="0" noProof="0" dirty="0" smtClean="0">
-                <a:ln>
-                  <a:noFill/>
-                </a:ln>
-                <a:solidFill>
-                  <a:schemeClr val="tx1"/>
-                </a:solidFill>
-                <a:effectLst/>
-                <a:uLnTx/>
-                <a:uFillTx/>
-                <a:latin typeface="+mn-lt"/>
-                <a:ea typeface="+mn-ea"/>
-                <a:cs typeface="+mn-cs"/>
-              </a:rPr>
-              <a:t>!2M.</a:t>
+              <a:t> !2M.</a:t>
             </a:r>
             <a:fld id="{B9A0B45D-6AFD-413C-B761-B121FB8BE940}" type="slidenum">
               <a:rPr kumimoji="0" lang="en-US" sz="1200" b="0" i="0" u="none" strike="noStrike" kern="1200" cap="none" spc="0" normalizeH="0" baseline="0" noProof="0" smtClean="0">
@@ -22198,11 +21542,7 @@
             </a:r>
             <a:r>
               <a:rPr lang="en-US" dirty="0" smtClean="0"/>
-              <a:t> </a:t>
-            </a:r>
-            <a:r>
-              <a:rPr lang="en-US" dirty="0" smtClean="0"/>
-              <a:t>!2M.</a:t>
+              <a:t> !2M.</a:t>
             </a:r>
             <a:fld id="{3A5FE2AD-97E1-47DD-ADC5-9D051A455375}" type="slidenum">
               <a:rPr lang="en-US" smtClean="0"/>
@@ -22392,7 +21732,7 @@
           <a:graphicData uri="http://schemas.openxmlformats.org/presentationml/2006/ole">
             <mc:AlternateContent xmlns:mc="http://schemas.openxmlformats.org/markup-compatibility/2006">
               <mc:Choice xmlns:v="urn:schemas-microsoft-com:vml" Requires="v">
-                <p:oleObj spid="_x0000_s110622" name="Equation" r:id="rId4" imgW="114120" imgH="215640" progId="Equation.3">
+                <p:oleObj spid="_x0000_s110624" name="Equation" r:id="rId4" imgW="114120" imgH="215640" progId="Equation.3">
                   <p:embed/>
                 </p:oleObj>
               </mc:Choice>
@@ -22534,24 +21874,7 @@
                 <a:ea typeface="+mn-ea"/>
                 <a:cs typeface="+mn-cs"/>
               </a:rPr>
-              <a:t> </a:t>
-            </a:r>
-            <a:r>
-              <a:rPr kumimoji="0" lang="en-US" sz="1200" b="0" i="0" u="none" strike="noStrike" kern="1200" cap="none" spc="0" normalizeH="0" baseline="0" noProof="0" dirty="0" smtClean="0">
-                <a:ln>
-                  <a:noFill/>
-                </a:ln>
-                <a:solidFill>
-                  <a:schemeClr val="tx1"/>
-                </a:solidFill>
-                <a:effectLst/>
-                <a:uLnTx/>
-                <a:uFillTx/>
-                <a:latin typeface="+mn-lt"/>
-                <a:ea typeface="+mn-ea"/>
-                <a:cs typeface="+mn-cs"/>
-              </a:rPr>
-              <a:t>!2M.</a:t>
+              <a:t> !2M.</a:t>
             </a:r>
             <a:fld id="{B9A0B45D-6AFD-413C-B761-B121FB8BE940}" type="slidenum">
               <a:rPr kumimoji="0" lang="en-US" sz="1200" b="0" i="0" u="none" strike="noStrike" kern="1200" cap="none" spc="0" normalizeH="0" baseline="0" noProof="0" smtClean="0">
@@ -22897,9 +22220,6 @@
               </a:rPr>
               <a:t>.</a:t>
             </a:r>
-            <a:endParaRPr lang="en-US" sz="5200" dirty="0" smtClean="0">
-              <a:sym typeface="Symbol" pitchFamily="18" charset="2"/>
-            </a:endParaRPr>
           </a:p>
         </p:txBody>
       </p:sp>
@@ -22932,11 +22252,7 @@
             </a:r>
             <a:r>
               <a:rPr lang="en-US" dirty="0" smtClean="0"/>
-              <a:t> </a:t>
-            </a:r>
-            <a:r>
-              <a:rPr lang="en-US" dirty="0" smtClean="0"/>
-              <a:t>!2M.</a:t>
+              <a:t> !2M.</a:t>
             </a:r>
             <a:fld id="{5F75E0E2-268E-411C-B4A3-35B053FA543D}" type="slidenum">
               <a:rPr lang="en-US" smtClean="0"/>
@@ -22993,7 +22309,7 @@
           <a:graphicData uri="http://schemas.openxmlformats.org/presentationml/2006/ole">
             <mc:AlternateContent xmlns:mc="http://schemas.openxmlformats.org/markup-compatibility/2006">
               <mc:Choice xmlns:v="urn:schemas-microsoft-com:vml" Requires="v">
-                <p:oleObj spid="_x0000_s111666" name="Equation" r:id="rId4" imgW="114120" imgH="215640" progId="Equation.3">
+                <p:oleObj spid="_x0000_s111669" name="Equation" r:id="rId4" imgW="114120" imgH="215640" progId="Equation.3">
                   <p:embed/>
                 </p:oleObj>
               </mc:Choice>
@@ -23063,7 +22379,7 @@
           <a:graphicData uri="http://schemas.openxmlformats.org/presentationml/2006/ole">
             <mc:AlternateContent xmlns:mc="http://schemas.openxmlformats.org/markup-compatibility/2006">
               <mc:Choice xmlns:v="urn:schemas-microsoft-com:vml" Requires="v">
-                <p:oleObj spid="_x0000_s111667" name="Equation" r:id="rId6" imgW="126720" imgH="215640" progId="Equation.DSMT4">
+                <p:oleObj spid="_x0000_s111670" name="Equation" r:id="rId6" imgW="126720" imgH="215640" progId="Equation.DSMT4">
                   <p:embed/>
                 </p:oleObj>
               </mc:Choice>
@@ -23239,24 +22555,7 @@
                 <a:ea typeface="+mn-ea"/>
                 <a:cs typeface="+mn-cs"/>
               </a:rPr>
-              <a:t> </a:t>
-            </a:r>
-            <a:r>
-              <a:rPr kumimoji="0" lang="en-US" sz="1200" b="0" i="0" u="none" strike="noStrike" kern="1200" cap="none" spc="0" normalizeH="0" baseline="0" noProof="0" dirty="0" smtClean="0">
-                <a:ln>
-                  <a:noFill/>
-                </a:ln>
-                <a:solidFill>
-                  <a:schemeClr val="tx1"/>
-                </a:solidFill>
-                <a:effectLst/>
-                <a:uLnTx/>
-                <a:uFillTx/>
-                <a:latin typeface="+mn-lt"/>
-                <a:ea typeface="+mn-ea"/>
-                <a:cs typeface="+mn-cs"/>
-              </a:rPr>
-              <a:t>!2M.</a:t>
+              <a:t> !2M.</a:t>
             </a:r>
             <a:fld id="{B9A0B45D-6AFD-413C-B761-B121FB8BE940}" type="slidenum">
               <a:rPr kumimoji="0" lang="en-US" sz="1200" b="0" i="0" u="none" strike="noStrike" kern="1200" cap="none" spc="0" normalizeH="0" baseline="0" noProof="0" smtClean="0">
@@ -23314,13 +22613,13 @@
   <p:clrMapOvr>
     <a:masterClrMapping/>
   </p:clrMapOvr>
-  <mc:AlternateContent xmlns:mc="http://schemas.openxmlformats.org/markup-compatibility/2006">
-    <mc:Choice xmlns:p14="http://schemas.microsoft.com/office/powerpoint/2010/main" Requires="p14">
+  <mc:AlternateContent xmlns:mc="http://schemas.openxmlformats.org/markup-compatibility/2006" xmlns:p14="http://schemas.microsoft.com/office/powerpoint/2010/main">
+    <mc:Choice Requires="p14">
       <p:transition spd="med" p14:dur="700">
         <p:fade/>
       </p:transition>
     </mc:Choice>
-    <mc:Fallback>
+    <mc:Fallback xmlns="">
       <p:transition xmlns:p14="http://schemas.microsoft.com/office/powerpoint/2010/main" spd="med">
         <p:fade/>
       </p:transition>
